--- a/3.1_Boosting_Algo_ML_Insurance_Chrg_Pred_Project/4_LightGBM Algorithm.pptx
+++ b/3.1_Boosting_Algo_ML_Insurance_Chrg_Pred_Project/4_LightGBM Algorithm.pptx
@@ -9,9 +9,10 @@
     <p:sldId id="257" r:id="rId3"/>
     <p:sldId id="258" r:id="rId4"/>
     <p:sldId id="259" r:id="rId5"/>
-    <p:sldId id="260" r:id="rId6"/>
-    <p:sldId id="261" r:id="rId7"/>
-    <p:sldId id="262" r:id="rId8"/>
+    <p:sldId id="263" r:id="rId6"/>
+    <p:sldId id="260" r:id="rId7"/>
+    <p:sldId id="261" r:id="rId8"/>
+    <p:sldId id="262" r:id="rId9"/>
   </p:sldIdLst>
   <p:sldSz cx="12192000" cy="6858000"/>
   <p:notesSz cx="6858000" cy="9144000"/>
@@ -110,7 +111,153 @@
       </a:defRPr>
     </a:lvl9pPr>
   </p:defaultTextStyle>
+  <p:extLst>
+    <p:ext uri="{EFAFB233-063F-42B5-8137-9DF3F51BA10A}">
+      <p15:sldGuideLst xmlns:p15="http://schemas.microsoft.com/office/powerpoint/2012/main"/>
+    </p:ext>
+  </p:extLst>
 </p:presentation>
+</file>
+
+<file path=ppt/revisionInfo.xml><?xml version="1.0" encoding="utf-8"?>
+<p1510:revInfo xmlns:a="http://schemas.openxmlformats.org/drawingml/2006/main" xmlns:r="http://schemas.openxmlformats.org/officeDocument/2006/relationships" xmlns:p1510="http://schemas.microsoft.com/office/powerpoint/2015/10/main">
+  <p1510:revLst>
+    <p1510:client id="{F27381A7-66A7-44A1-B808-62C5140DC691}" v="1" dt="2024-06-22T12:15:24.739"/>
+  </p1510:revLst>
+</p1510:revInfo>
+</file>
+
+<file path=ppt/changesInfos/changesInfo1.xml><?xml version="1.0" encoding="utf-8"?>
+<pc:chgInfo xmlns:a="http://schemas.openxmlformats.org/drawingml/2006/main" xmlns:r="http://schemas.openxmlformats.org/officeDocument/2006/relationships" xmlns:ac="http://schemas.microsoft.com/office/drawing/2013/main/command" xmlns:pc="http://schemas.microsoft.com/office/powerpoint/2013/main/command">
+  <pc:docChgLst>
+    <pc:chgData name="Bakthavatchalam, Sharath Kumar" userId="5a80369b-62d2-4430-ac50-9bc726ab27fe" providerId="ADAL" clId="{F27381A7-66A7-44A1-B808-62C5140DC691}"/>
+    <pc:docChg chg="undo custSel addSld modSld">
+      <pc:chgData name="Bakthavatchalam, Sharath Kumar" userId="5a80369b-62d2-4430-ac50-9bc726ab27fe" providerId="ADAL" clId="{F27381A7-66A7-44A1-B808-62C5140DC691}" dt="2024-06-22T12:16:02.450" v="22" actId="26606"/>
+      <pc:docMkLst>
+        <pc:docMk/>
+      </pc:docMkLst>
+      <pc:sldChg chg="addSp delSp modSp new mod setBg">
+        <pc:chgData name="Bakthavatchalam, Sharath Kumar" userId="5a80369b-62d2-4430-ac50-9bc726ab27fe" providerId="ADAL" clId="{F27381A7-66A7-44A1-B808-62C5140DC691}" dt="2024-06-22T12:16:02.450" v="22" actId="26606"/>
+        <pc:sldMkLst>
+          <pc:docMk/>
+          <pc:sldMk cId="3199541491" sldId="263"/>
+        </pc:sldMkLst>
+        <pc:spChg chg="mod">
+          <ac:chgData name="Bakthavatchalam, Sharath Kumar" userId="5a80369b-62d2-4430-ac50-9bc726ab27fe" providerId="ADAL" clId="{F27381A7-66A7-44A1-B808-62C5140DC691}" dt="2024-06-22T12:16:02.450" v="22" actId="26606"/>
+          <ac:spMkLst>
+            <pc:docMk/>
+            <pc:sldMk cId="3199541491" sldId="263"/>
+            <ac:spMk id="2" creationId="{26653629-8015-9EF7-2BEE-5376794A6987}"/>
+          </ac:spMkLst>
+        </pc:spChg>
+        <pc:spChg chg="del">
+          <ac:chgData name="Bakthavatchalam, Sharath Kumar" userId="5a80369b-62d2-4430-ac50-9bc726ab27fe" providerId="ADAL" clId="{F27381A7-66A7-44A1-B808-62C5140DC691}" dt="2024-06-22T12:15:24.738" v="14" actId="931"/>
+          <ac:spMkLst>
+            <pc:docMk/>
+            <pc:sldMk cId="3199541491" sldId="263"/>
+            <ac:spMk id="3" creationId="{E23F50DD-129F-BE78-488E-668BA2DB4471}"/>
+          </ac:spMkLst>
+        </pc:spChg>
+        <pc:spChg chg="add del">
+          <ac:chgData name="Bakthavatchalam, Sharath Kumar" userId="5a80369b-62d2-4430-ac50-9bc726ab27fe" providerId="ADAL" clId="{F27381A7-66A7-44A1-B808-62C5140DC691}" dt="2024-06-22T12:16:02.450" v="22" actId="26606"/>
+          <ac:spMkLst>
+            <pc:docMk/>
+            <pc:sldMk cId="3199541491" sldId="263"/>
+            <ac:spMk id="10" creationId="{A4AC5506-6312-4701-8D3C-40187889A947}"/>
+          </ac:spMkLst>
+        </pc:spChg>
+        <pc:spChg chg="add del">
+          <ac:chgData name="Bakthavatchalam, Sharath Kumar" userId="5a80369b-62d2-4430-ac50-9bc726ab27fe" providerId="ADAL" clId="{F27381A7-66A7-44A1-B808-62C5140DC691}" dt="2024-06-22T12:16:00.301" v="19" actId="26606"/>
+          <ac:spMkLst>
+            <pc:docMk/>
+            <pc:sldMk cId="3199541491" sldId="263"/>
+            <ac:spMk id="15" creationId="{017517EF-BD4D-4055-BDB4-A322C53568AD}"/>
+          </ac:spMkLst>
+        </pc:spChg>
+        <pc:spChg chg="add del">
+          <ac:chgData name="Bakthavatchalam, Sharath Kumar" userId="5a80369b-62d2-4430-ac50-9bc726ab27fe" providerId="ADAL" clId="{F27381A7-66A7-44A1-B808-62C5140DC691}" dt="2024-06-22T12:16:00.301" v="19" actId="26606"/>
+          <ac:spMkLst>
+            <pc:docMk/>
+            <pc:sldMk cId="3199541491" sldId="263"/>
+            <ac:spMk id="17" creationId="{0ADDB668-2CA4-4D2B-9C34-3487CA330BA8}"/>
+          </ac:spMkLst>
+        </pc:spChg>
+        <pc:spChg chg="add del">
+          <ac:chgData name="Bakthavatchalam, Sharath Kumar" userId="5a80369b-62d2-4430-ac50-9bc726ab27fe" providerId="ADAL" clId="{F27381A7-66A7-44A1-B808-62C5140DC691}" dt="2024-06-22T12:16:00.301" v="19" actId="26606"/>
+          <ac:spMkLst>
+            <pc:docMk/>
+            <pc:sldMk cId="3199541491" sldId="263"/>
+            <ac:spMk id="19" creationId="{2568BC19-F052-4108-93E1-6A3D1DEC072F}"/>
+          </ac:spMkLst>
+        </pc:spChg>
+        <pc:spChg chg="add del">
+          <ac:chgData name="Bakthavatchalam, Sharath Kumar" userId="5a80369b-62d2-4430-ac50-9bc726ab27fe" providerId="ADAL" clId="{F27381A7-66A7-44A1-B808-62C5140DC691}" dt="2024-06-22T12:16:00.301" v="19" actId="26606"/>
+          <ac:spMkLst>
+            <pc:docMk/>
+            <pc:sldMk cId="3199541491" sldId="263"/>
+            <ac:spMk id="21" creationId="{D5FD337D-4D6B-4C8B-B6F5-121097E09881}"/>
+          </ac:spMkLst>
+        </pc:spChg>
+        <pc:spChg chg="add del">
+          <ac:chgData name="Bakthavatchalam, Sharath Kumar" userId="5a80369b-62d2-4430-ac50-9bc726ab27fe" providerId="ADAL" clId="{F27381A7-66A7-44A1-B808-62C5140DC691}" dt="2024-06-22T12:16:02.442" v="21" actId="26606"/>
+          <ac:spMkLst>
+            <pc:docMk/>
+            <pc:sldMk cId="3199541491" sldId="263"/>
+            <ac:spMk id="23" creationId="{F0DCC097-1DB8-4B6D-85D0-6FBA0E1CA4BA}"/>
+          </ac:spMkLst>
+        </pc:spChg>
+        <pc:spChg chg="add del">
+          <ac:chgData name="Bakthavatchalam, Sharath Kumar" userId="5a80369b-62d2-4430-ac50-9bc726ab27fe" providerId="ADAL" clId="{F27381A7-66A7-44A1-B808-62C5140DC691}" dt="2024-06-22T12:16:02.442" v="21" actId="26606"/>
+          <ac:spMkLst>
+            <pc:docMk/>
+            <pc:sldMk cId="3199541491" sldId="263"/>
+            <ac:spMk id="24" creationId="{E0B58608-23C8-4441-994D-C6823EEE1DB7}"/>
+          </ac:spMkLst>
+        </pc:spChg>
+        <pc:spChg chg="add">
+          <ac:chgData name="Bakthavatchalam, Sharath Kumar" userId="5a80369b-62d2-4430-ac50-9bc726ab27fe" providerId="ADAL" clId="{F27381A7-66A7-44A1-B808-62C5140DC691}" dt="2024-06-22T12:16:02.450" v="22" actId="26606"/>
+          <ac:spMkLst>
+            <pc:docMk/>
+            <pc:sldMk cId="3199541491" sldId="263"/>
+            <ac:spMk id="26" creationId="{017517EF-BD4D-4055-BDB4-A322C53568AD}"/>
+          </ac:spMkLst>
+        </pc:spChg>
+        <pc:spChg chg="add">
+          <ac:chgData name="Bakthavatchalam, Sharath Kumar" userId="5a80369b-62d2-4430-ac50-9bc726ab27fe" providerId="ADAL" clId="{F27381A7-66A7-44A1-B808-62C5140DC691}" dt="2024-06-22T12:16:02.450" v="22" actId="26606"/>
+          <ac:spMkLst>
+            <pc:docMk/>
+            <pc:sldMk cId="3199541491" sldId="263"/>
+            <ac:spMk id="27" creationId="{0ADDB668-2CA4-4D2B-9C34-3487CA330BA8}"/>
+          </ac:spMkLst>
+        </pc:spChg>
+        <pc:spChg chg="add">
+          <ac:chgData name="Bakthavatchalam, Sharath Kumar" userId="5a80369b-62d2-4430-ac50-9bc726ab27fe" providerId="ADAL" clId="{F27381A7-66A7-44A1-B808-62C5140DC691}" dt="2024-06-22T12:16:02.450" v="22" actId="26606"/>
+          <ac:spMkLst>
+            <pc:docMk/>
+            <pc:sldMk cId="3199541491" sldId="263"/>
+            <ac:spMk id="28" creationId="{2568BC19-F052-4108-93E1-6A3D1DEC072F}"/>
+          </ac:spMkLst>
+        </pc:spChg>
+        <pc:spChg chg="add">
+          <ac:chgData name="Bakthavatchalam, Sharath Kumar" userId="5a80369b-62d2-4430-ac50-9bc726ab27fe" providerId="ADAL" clId="{F27381A7-66A7-44A1-B808-62C5140DC691}" dt="2024-06-22T12:16:02.450" v="22" actId="26606"/>
+          <ac:spMkLst>
+            <pc:docMk/>
+            <pc:sldMk cId="3199541491" sldId="263"/>
+            <ac:spMk id="29" creationId="{D5FD337D-4D6B-4C8B-B6F5-121097E09881}"/>
+          </ac:spMkLst>
+        </pc:spChg>
+        <pc:picChg chg="add mod">
+          <ac:chgData name="Bakthavatchalam, Sharath Kumar" userId="5a80369b-62d2-4430-ac50-9bc726ab27fe" providerId="ADAL" clId="{F27381A7-66A7-44A1-B808-62C5140DC691}" dt="2024-06-22T12:16:02.450" v="22" actId="26606"/>
+          <ac:picMkLst>
+            <pc:docMk/>
+            <pc:sldMk cId="3199541491" sldId="263"/>
+            <ac:picMk id="5" creationId="{3259B29C-EBEF-292D-77A0-6F7C6F14F0A8}"/>
+          </ac:picMkLst>
+        </pc:picChg>
+      </pc:sldChg>
+    </pc:docChg>
+  </pc:docChgLst>
+</pc:chgInfo>
 </file>
 
 <file path=ppt/diagrams/colors1.xml><?xml version="1.0" encoding="utf-8"?>
@@ -16860,7 +17007,7 @@
           <a:p>
             <a:fld id="{0859D00E-3CBC-4633-9006-26D742E2C717}" type="datetimeFigureOut">
               <a:rPr lang="en-US" smtClean="0"/>
-              <a:t>6/20/2024</a:t>
+              <a:t>6/22/2024</a:t>
             </a:fld>
             <a:endParaRPr lang="en-US"/>
           </a:p>
@@ -17058,7 +17205,7 @@
           <a:p>
             <a:fld id="{0859D00E-3CBC-4633-9006-26D742E2C717}" type="datetimeFigureOut">
               <a:rPr lang="en-US" smtClean="0"/>
-              <a:t>6/20/2024</a:t>
+              <a:t>6/22/2024</a:t>
             </a:fld>
             <a:endParaRPr lang="en-US"/>
           </a:p>
@@ -17266,7 +17413,7 @@
           <a:p>
             <a:fld id="{0859D00E-3CBC-4633-9006-26D742E2C717}" type="datetimeFigureOut">
               <a:rPr lang="en-US" smtClean="0"/>
-              <a:t>6/20/2024</a:t>
+              <a:t>6/22/2024</a:t>
             </a:fld>
             <a:endParaRPr lang="en-US"/>
           </a:p>
@@ -17464,7 +17611,7 @@
           <a:p>
             <a:fld id="{0859D00E-3CBC-4633-9006-26D742E2C717}" type="datetimeFigureOut">
               <a:rPr lang="en-US" smtClean="0"/>
-              <a:t>6/20/2024</a:t>
+              <a:t>6/22/2024</a:t>
             </a:fld>
             <a:endParaRPr lang="en-US"/>
           </a:p>
@@ -17739,7 +17886,7 @@
           <a:p>
             <a:fld id="{0859D00E-3CBC-4633-9006-26D742E2C717}" type="datetimeFigureOut">
               <a:rPr lang="en-US" smtClean="0"/>
-              <a:t>6/20/2024</a:t>
+              <a:t>6/22/2024</a:t>
             </a:fld>
             <a:endParaRPr lang="en-US"/>
           </a:p>
@@ -18004,7 +18151,7 @@
           <a:p>
             <a:fld id="{0859D00E-3CBC-4633-9006-26D742E2C717}" type="datetimeFigureOut">
               <a:rPr lang="en-US" smtClean="0"/>
-              <a:t>6/20/2024</a:t>
+              <a:t>6/22/2024</a:t>
             </a:fld>
             <a:endParaRPr lang="en-US"/>
           </a:p>
@@ -18416,7 +18563,7 @@
           <a:p>
             <a:fld id="{0859D00E-3CBC-4633-9006-26D742E2C717}" type="datetimeFigureOut">
               <a:rPr lang="en-US" smtClean="0"/>
-              <a:t>6/20/2024</a:t>
+              <a:t>6/22/2024</a:t>
             </a:fld>
             <a:endParaRPr lang="en-US"/>
           </a:p>
@@ -18557,7 +18704,7 @@
           <a:p>
             <a:fld id="{0859D00E-3CBC-4633-9006-26D742E2C717}" type="datetimeFigureOut">
               <a:rPr lang="en-US" smtClean="0"/>
-              <a:t>6/20/2024</a:t>
+              <a:t>6/22/2024</a:t>
             </a:fld>
             <a:endParaRPr lang="en-US"/>
           </a:p>
@@ -18670,7 +18817,7 @@
           <a:p>
             <a:fld id="{0859D00E-3CBC-4633-9006-26D742E2C717}" type="datetimeFigureOut">
               <a:rPr lang="en-US" smtClean="0"/>
-              <a:t>6/20/2024</a:t>
+              <a:t>6/22/2024</a:t>
             </a:fld>
             <a:endParaRPr lang="en-US"/>
           </a:p>
@@ -18981,7 +19128,7 @@
           <a:p>
             <a:fld id="{0859D00E-3CBC-4633-9006-26D742E2C717}" type="datetimeFigureOut">
               <a:rPr lang="en-US" smtClean="0"/>
-              <a:t>6/20/2024</a:t>
+              <a:t>6/22/2024</a:t>
             </a:fld>
             <a:endParaRPr lang="en-US"/>
           </a:p>
@@ -19269,7 +19416,7 @@
           <a:p>
             <a:fld id="{0859D00E-3CBC-4633-9006-26D742E2C717}" type="datetimeFigureOut">
               <a:rPr lang="en-US" smtClean="0"/>
-              <a:t>6/20/2024</a:t>
+              <a:t>6/22/2024</a:t>
             </a:fld>
             <a:endParaRPr lang="en-US"/>
           </a:p>
@@ -19510,7 +19657,7 @@
           <a:p>
             <a:fld id="{0859D00E-3CBC-4633-9006-26D742E2C717}" type="datetimeFigureOut">
               <a:rPr lang="en-US" smtClean="0"/>
-              <a:t>6/20/2024</a:t>
+              <a:t>6/22/2024</a:t>
             </a:fld>
             <a:endParaRPr lang="en-US"/>
           </a:p>
@@ -21337,6 +21484,420 @@
           <a:chExt cx="0" cy="0"/>
         </a:xfrm>
       </p:grpSpPr>
+      <p:sp useBgFill="1">
+        <p:nvSpPr>
+          <p:cNvPr id="26" name="Rectangle 14">
+            <a:extLst>
+              <a:ext uri="{FF2B5EF4-FFF2-40B4-BE49-F238E27FC236}">
+                <a16:creationId xmlns:a16="http://schemas.microsoft.com/office/drawing/2014/main" id="{017517EF-BD4D-4055-BDB4-A322C53568AD}"/>
+              </a:ext>
+              <a:ext uri="{C183D7F6-B498-43B3-948B-1728B52AA6E4}">
+                <adec:decorative xmlns:adec="http://schemas.microsoft.com/office/drawing/2017/decorative" val="1"/>
+              </a:ext>
+            </a:extLst>
+          </p:cNvPr>
+          <p:cNvSpPr>
+            <a:spLocks noGrp="1" noRot="1" noChangeAspect="1" noMove="1" noResize="1" noEditPoints="1" noAdjustHandles="1" noChangeArrowheads="1" noChangeShapeType="1" noTextEdit="1"/>
+          </p:cNvSpPr>
+          <p:nvPr>
+            <p:extLst>
+              <p:ext uri="{386F3935-93C4-4BCD-93E2-E3B085C9AB24}">
+                <p16:designElem xmlns:p16="http://schemas.microsoft.com/office/powerpoint/2015/main" val="1"/>
+              </p:ext>
+            </p:extLst>
+          </p:nvPr>
+        </p:nvSpPr>
+        <p:spPr>
+          <a:xfrm>
+            <a:off x="0" y="0"/>
+            <a:ext cx="12192000" cy="6858000"/>
+          </a:xfrm>
+          <a:prstGeom prst="rect">
+            <a:avLst/>
+          </a:prstGeom>
+          <a:ln>
+            <a:noFill/>
+          </a:ln>
+        </p:spPr>
+        <p:style>
+          <a:lnRef idx="2">
+            <a:schemeClr val="accent1">
+              <a:shade val="50000"/>
+            </a:schemeClr>
+          </a:lnRef>
+          <a:fillRef idx="1">
+            <a:schemeClr val="accent1"/>
+          </a:fillRef>
+          <a:effectRef idx="0">
+            <a:schemeClr val="accent1"/>
+          </a:effectRef>
+          <a:fontRef idx="minor">
+            <a:schemeClr val="lt1"/>
+          </a:fontRef>
+        </p:style>
+        <p:txBody>
+          <a:bodyPr rtlCol="0" anchor="ctr"/>
+          <a:lstStyle/>
+          <a:p>
+            <a:pPr algn="ctr"/>
+            <a:endParaRPr lang="en-US"/>
+          </a:p>
+        </p:txBody>
+      </p:sp>
+      <p:sp useBgFill="1">
+        <p:nvSpPr>
+          <p:cNvPr id="27" name="Rectangle 16">
+            <a:extLst>
+              <a:ext uri="{FF2B5EF4-FFF2-40B4-BE49-F238E27FC236}">
+                <a16:creationId xmlns:a16="http://schemas.microsoft.com/office/drawing/2014/main" id="{0ADDB668-2CA4-4D2B-9C34-3487CA330BA8}"/>
+              </a:ext>
+              <a:ext uri="{C183D7F6-B498-43B3-948B-1728B52AA6E4}">
+                <adec:decorative xmlns:adec="http://schemas.microsoft.com/office/drawing/2017/decorative" val="1"/>
+              </a:ext>
+            </a:extLst>
+          </p:cNvPr>
+          <p:cNvSpPr>
+            <a:spLocks noGrp="1" noRot="1" noChangeAspect="1" noMove="1" noResize="1" noEditPoints="1" noAdjustHandles="1" noChangeArrowheads="1" noChangeShapeType="1" noTextEdit="1"/>
+          </p:cNvSpPr>
+          <p:nvPr>
+            <p:extLst>
+              <p:ext uri="{386F3935-93C4-4BCD-93E2-E3B085C9AB24}">
+                <p16:designElem xmlns:p16="http://schemas.microsoft.com/office/powerpoint/2015/main" val="1"/>
+              </p:ext>
+            </p:extLst>
+          </p:nvPr>
+        </p:nvSpPr>
+        <p:spPr>
+          <a:xfrm>
+            <a:off x="551553" y="304802"/>
+            <a:ext cx="11097349" cy="1573149"/>
+          </a:xfrm>
+          <a:prstGeom prst="rect">
+            <a:avLst/>
+          </a:prstGeom>
+          <a:ln w="12700">
+            <a:solidFill>
+              <a:srgbClr val="DEDEDE"/>
+            </a:solidFill>
+          </a:ln>
+          <a:effectLst>
+            <a:outerShdw blurRad="50800" dist="38100" dir="2700000" algn="tl" rotWithShape="0">
+              <a:schemeClr val="bg2">
+                <a:lumMod val="85000"/>
+                <a:alpha val="50000"/>
+              </a:schemeClr>
+            </a:outerShdw>
+          </a:effectLst>
+        </p:spPr>
+        <p:style>
+          <a:lnRef idx="2">
+            <a:schemeClr val="accent1">
+              <a:shade val="50000"/>
+            </a:schemeClr>
+          </a:lnRef>
+          <a:fillRef idx="1">
+            <a:schemeClr val="accent1"/>
+          </a:fillRef>
+          <a:effectRef idx="0">
+            <a:schemeClr val="accent1"/>
+          </a:effectRef>
+          <a:fontRef idx="minor">
+            <a:schemeClr val="lt1"/>
+          </a:fontRef>
+        </p:style>
+        <p:txBody>
+          <a:bodyPr rtlCol="0" anchor="ctr"/>
+          <a:lstStyle/>
+          <a:p>
+            <a:pPr marL="0" marR="0" lvl="0" indent="0" algn="ctr" defTabSz="914400" rtl="0" eaLnBrk="1" fontAlgn="auto" latinLnBrk="0" hangingPunct="1">
+              <a:lnSpc>
+                <a:spcPct val="100000"/>
+              </a:lnSpc>
+              <a:spcBef>
+                <a:spcPts val="0"/>
+              </a:spcBef>
+              <a:spcAft>
+                <a:spcPts val="0"/>
+              </a:spcAft>
+              <a:buClrTx/>
+              <a:buSzTx/>
+              <a:buFontTx/>
+              <a:buNone/>
+              <a:tabLst/>
+              <a:defRPr/>
+            </a:pPr>
+            <a:endParaRPr kumimoji="0" lang="en-US" sz="1800" b="0" i="0" u="none" strike="noStrike" kern="1200" cap="none" spc="0" normalizeH="0" baseline="0" noProof="0">
+              <a:ln>
+                <a:noFill/>
+              </a:ln>
+              <a:solidFill>
+                <a:prstClr val="white"/>
+              </a:solidFill>
+              <a:effectLst/>
+              <a:uLnTx/>
+              <a:uFillTx/>
+              <a:latin typeface="Calibri" panose="020F0502020204030204"/>
+              <a:ea typeface="+mn-ea"/>
+              <a:cs typeface="+mn-cs"/>
+            </a:endParaRPr>
+          </a:p>
+        </p:txBody>
+      </p:sp>
+      <p:sp>
+        <p:nvSpPr>
+          <p:cNvPr id="2" name="Title 1">
+            <a:extLst>
+              <a:ext uri="{FF2B5EF4-FFF2-40B4-BE49-F238E27FC236}">
+                <a16:creationId xmlns:a16="http://schemas.microsoft.com/office/drawing/2014/main" id="{26653629-8015-9EF7-2BEE-5376794A6987}"/>
+              </a:ext>
+            </a:extLst>
+          </p:cNvPr>
+          <p:cNvSpPr>
+            <a:spLocks noGrp="1"/>
+          </p:cNvSpPr>
+          <p:nvPr>
+            <p:ph type="title"/>
+          </p:nvPr>
+        </p:nvSpPr>
+        <p:spPr>
+          <a:xfrm>
+            <a:off x="901690" y="405575"/>
+            <a:ext cx="6430414" cy="1371600"/>
+          </a:xfrm>
+        </p:spPr>
+        <p:txBody>
+          <a:bodyPr vert="horz" lIns="91440" tIns="45720" rIns="91440" bIns="45720" rtlCol="0" anchor="ctr">
+            <a:normAutofit/>
+          </a:bodyPr>
+          <a:lstStyle/>
+          <a:p>
+            <a:r>
+              <a:rPr lang="en-US" sz="4000" kern="1200">
+                <a:solidFill>
+                  <a:schemeClr val="tx1"/>
+                </a:solidFill>
+                <a:latin typeface="+mj-lt"/>
+                <a:ea typeface="+mj-ea"/>
+                <a:cs typeface="+mj-cs"/>
+              </a:rPr>
+              <a:t>Visualization</a:t>
+            </a:r>
+          </a:p>
+        </p:txBody>
+      </p:sp>
+      <p:sp>
+        <p:nvSpPr>
+          <p:cNvPr id="28" name="Rectangle 18">
+            <a:extLst>
+              <a:ext uri="{FF2B5EF4-FFF2-40B4-BE49-F238E27FC236}">
+                <a16:creationId xmlns:a16="http://schemas.microsoft.com/office/drawing/2014/main" id="{2568BC19-F052-4108-93E1-6A3D1DEC072F}"/>
+              </a:ext>
+              <a:ext uri="{C183D7F6-B498-43B3-948B-1728B52AA6E4}">
+                <adec:decorative xmlns:adec="http://schemas.microsoft.com/office/drawing/2017/decorative" val="1"/>
+              </a:ext>
+            </a:extLst>
+          </p:cNvPr>
+          <p:cNvSpPr>
+            <a:spLocks noGrp="1" noRot="1" noChangeAspect="1" noMove="1" noResize="1" noEditPoints="1" noAdjustHandles="1" noChangeArrowheads="1" noChangeShapeType="1" noTextEdit="1"/>
+          </p:cNvSpPr>
+          <p:nvPr>
+            <p:extLst>
+              <p:ext uri="{386F3935-93C4-4BCD-93E2-E3B085C9AB24}">
+                <p16:designElem xmlns:p16="http://schemas.microsoft.com/office/powerpoint/2015/main" val="1"/>
+              </p:ext>
+            </p:extLst>
+          </p:nvPr>
+        </p:nvSpPr>
+        <p:spPr>
+          <a:xfrm>
+            <a:off x="494784" y="764424"/>
+            <a:ext cx="128016" cy="653903"/>
+          </a:xfrm>
+          <a:prstGeom prst="rect">
+            <a:avLst/>
+          </a:prstGeom>
+          <a:solidFill>
+            <a:schemeClr val="accent2"/>
+          </a:solidFill>
+          <a:ln>
+            <a:noFill/>
+          </a:ln>
+        </p:spPr>
+        <p:style>
+          <a:lnRef idx="2">
+            <a:schemeClr val="accent1">
+              <a:shade val="50000"/>
+            </a:schemeClr>
+          </a:lnRef>
+          <a:fillRef idx="1">
+            <a:schemeClr val="accent1"/>
+          </a:fillRef>
+          <a:effectRef idx="0">
+            <a:schemeClr val="accent1"/>
+          </a:effectRef>
+          <a:fontRef idx="minor">
+            <a:schemeClr val="lt1"/>
+          </a:fontRef>
+        </p:style>
+        <p:txBody>
+          <a:bodyPr rtlCol="0" anchor="ctr"/>
+          <a:lstStyle/>
+          <a:p>
+            <a:pPr algn="ctr"/>
+            <a:endParaRPr lang="en-US">
+              <a:solidFill>
+                <a:prstClr val="white"/>
+              </a:solidFill>
+              <a:latin typeface="Calibri" panose="020F0502020204030204"/>
+            </a:endParaRPr>
+          </a:p>
+        </p:txBody>
+      </p:sp>
+      <p:sp>
+        <p:nvSpPr>
+          <p:cNvPr id="29" name="Rectangle 20">
+            <a:extLst>
+              <a:ext uri="{FF2B5EF4-FFF2-40B4-BE49-F238E27FC236}">
+                <a16:creationId xmlns:a16="http://schemas.microsoft.com/office/drawing/2014/main" id="{D5FD337D-4D6B-4C8B-B6F5-121097E09881}"/>
+              </a:ext>
+              <a:ext uri="{C183D7F6-B498-43B3-948B-1728B52AA6E4}">
+                <adec:decorative xmlns:adec="http://schemas.microsoft.com/office/drawing/2017/decorative" val="1"/>
+              </a:ext>
+            </a:extLst>
+          </p:cNvPr>
+          <p:cNvSpPr>
+            <a:spLocks noGrp="1" noRot="1" noChangeAspect="1" noMove="1" noResize="1" noEditPoints="1" noAdjustHandles="1" noChangeArrowheads="1" noChangeShapeType="1" noTextEdit="1"/>
+          </p:cNvSpPr>
+          <p:nvPr>
+            <p:extLst>
+              <p:ext uri="{386F3935-93C4-4BCD-93E2-E3B085C9AB24}">
+                <p16:designElem xmlns:p16="http://schemas.microsoft.com/office/powerpoint/2015/main" val="1"/>
+              </p:ext>
+            </p:extLst>
+          </p:nvPr>
+        </p:nvSpPr>
+        <p:spPr>
+          <a:xfrm rot="5400000">
+            <a:off x="7126032" y="1067264"/>
+            <a:ext cx="1021458" cy="18288"/>
+          </a:xfrm>
+          <a:prstGeom prst="rect">
+            <a:avLst/>
+          </a:prstGeom>
+          <a:solidFill>
+            <a:srgbClr val="D5D5D5"/>
+          </a:solidFill>
+          <a:ln w="3175">
+            <a:noFill/>
+          </a:ln>
+          <a:effectLst/>
+        </p:spPr>
+        <p:style>
+          <a:lnRef idx="2">
+            <a:schemeClr val="accent1">
+              <a:shade val="50000"/>
+            </a:schemeClr>
+          </a:lnRef>
+          <a:fillRef idx="1">
+            <a:schemeClr val="accent1"/>
+          </a:fillRef>
+          <a:effectRef idx="0">
+            <a:schemeClr val="accent1"/>
+          </a:effectRef>
+          <a:fontRef idx="minor">
+            <a:schemeClr val="lt1"/>
+          </a:fontRef>
+        </p:style>
+        <p:txBody>
+          <a:bodyPr rtlCol="0" anchor="ctr"/>
+          <a:lstStyle/>
+          <a:p>
+            <a:pPr algn="ctr"/>
+            <a:endParaRPr lang="en-US">
+              <a:solidFill>
+                <a:prstClr val="white"/>
+              </a:solidFill>
+              <a:latin typeface="Calibri" panose="020F0502020204030204"/>
+            </a:endParaRPr>
+          </a:p>
+        </p:txBody>
+      </p:sp>
+      <p:pic>
+        <p:nvPicPr>
+          <p:cNvPr id="5" name="Content Placeholder 4" descr="A diagram of a tree growth">
+            <a:extLst>
+              <a:ext uri="{FF2B5EF4-FFF2-40B4-BE49-F238E27FC236}">
+                <a16:creationId xmlns:a16="http://schemas.microsoft.com/office/drawing/2014/main" id="{3259B29C-EBEF-292D-77A0-6F7C6F14F0A8}"/>
+              </a:ext>
+            </a:extLst>
+          </p:cNvPr>
+          <p:cNvPicPr>
+            <a:picLocks noGrp="1" noChangeAspect="1"/>
+          </p:cNvPicPr>
+          <p:nvPr>
+            <p:ph idx="1"/>
+          </p:nvPr>
+        </p:nvPicPr>
+        <p:blipFill>
+          <a:blip r:embed="rId2">
+            <a:extLst>
+              <a:ext uri="{28A0092B-C50C-407E-A947-70E740481C1C}">
+                <a14:useLocalDpi xmlns:a14="http://schemas.microsoft.com/office/drawing/2010/main" val="0"/>
+              </a:ext>
+            </a:extLst>
+          </a:blip>
+          <a:stretch>
+            <a:fillRect/>
+          </a:stretch>
+        </p:blipFill>
+        <p:spPr>
+          <a:xfrm>
+            <a:off x="605412" y="2091095"/>
+            <a:ext cx="10984641" cy="4206240"/>
+          </a:xfrm>
+          <a:prstGeom prst="rect">
+            <a:avLst/>
+          </a:prstGeom>
+        </p:spPr>
+      </p:pic>
+    </p:spTree>
+    <p:extLst>
+      <p:ext uri="{BB962C8B-B14F-4D97-AF65-F5344CB8AC3E}">
+        <p14:creationId xmlns:p14="http://schemas.microsoft.com/office/powerpoint/2010/main" val="3199541491"/>
+      </p:ext>
+    </p:extLst>
+  </p:cSld>
+  <p:clrMapOvr>
+    <a:masterClrMapping/>
+  </p:clrMapOvr>
+</p:sld>
+</file>
+
+<file path=ppt/slides/slide6.xml><?xml version="1.0" encoding="utf-8"?>
+<p:sld xmlns:a="http://schemas.openxmlformats.org/drawingml/2006/main" xmlns:r="http://schemas.openxmlformats.org/officeDocument/2006/relationships" xmlns:p="http://schemas.openxmlformats.org/presentationml/2006/main">
+  <p:cSld>
+    <p:bg>
+      <p:bgPr>
+        <a:solidFill>
+          <a:schemeClr val="bg1"/>
+        </a:solidFill>
+        <a:effectLst/>
+      </p:bgPr>
+    </p:bg>
+    <p:spTree>
+      <p:nvGrpSpPr>
+        <p:cNvPr id="1" name=""/>
+        <p:cNvGrpSpPr/>
+        <p:nvPr/>
+      </p:nvGrpSpPr>
+      <p:grpSpPr>
+        <a:xfrm>
+          <a:off x="0" y="0"/>
+          <a:ext cx="0" cy="0"/>
+          <a:chOff x="0" y="0"/>
+          <a:chExt cx="0" cy="0"/>
+        </a:xfrm>
+      </p:grpSpPr>
       <p:pic>
         <p:nvPicPr>
           <p:cNvPr id="7" name="Picture 6">
@@ -21534,7 +22095,7 @@
 </p:sld>
 </file>
 
-<file path=ppt/slides/slide6.xml><?xml version="1.0" encoding="utf-8"?>
+<file path=ppt/slides/slide7.xml><?xml version="1.0" encoding="utf-8"?>
 <p:sld xmlns:a="http://schemas.openxmlformats.org/drawingml/2006/main" xmlns:r="http://schemas.openxmlformats.org/officeDocument/2006/relationships" xmlns:p="http://schemas.openxmlformats.org/presentationml/2006/main">
   <p:cSld>
     <p:bg>
@@ -21944,7 +22505,7 @@
 </p:sld>
 </file>
 
-<file path=ppt/slides/slide7.xml><?xml version="1.0" encoding="utf-8"?>
+<file path=ppt/slides/slide8.xml><?xml version="1.0" encoding="utf-8"?>
 <p:sld xmlns:a="http://schemas.openxmlformats.org/drawingml/2006/main" xmlns:r="http://schemas.openxmlformats.org/officeDocument/2006/relationships" xmlns:p="http://schemas.openxmlformats.org/presentationml/2006/main">
   <p:cSld>
     <p:bg>
